--- a/sunum_necip_gozuacik_okan_buyuktepe_v1.pptx
+++ b/sunum_necip_gozuacik_okan_buyuktepe_v1.pptx
@@ -305,7 +305,7 @@
             <a:fld id="{87DE6118-2437-4B30-8E3C-4D2BE6020583}" type="datetimeFigureOut">
               <a:rPr lang="en-US" dirty="0"/>
               <a:pPr/>
-              <a:t>5/4/2019</a:t>
+              <a:t>5/15/2019</a:t>
             </a:fld>
             <a:endParaRPr lang="en-US" dirty="0"/>
           </a:p>
@@ -631,7 +631,7 @@
           <a:p>
             <a:fld id="{87DE6118-2437-4B30-8E3C-4D2BE6020583}" type="datetimeFigureOut">
               <a:rPr lang="en-US" dirty="0"/>
-              <a:t>5/4/2019</a:t>
+              <a:t>5/15/2019</a:t>
             </a:fld>
             <a:endParaRPr lang="en-US" dirty="0"/>
           </a:p>
@@ -806,7 +806,7 @@
           <a:p>
             <a:fld id="{87DE6118-2437-4B30-8E3C-4D2BE6020583}" type="datetimeFigureOut">
               <a:rPr lang="en-US" dirty="0"/>
-              <a:t>5/4/2019</a:t>
+              <a:t>5/15/2019</a:t>
             </a:fld>
             <a:endParaRPr lang="en-US" dirty="0"/>
           </a:p>
@@ -971,7 +971,7 @@
           <a:p>
             <a:fld id="{87DE6118-2437-4B30-8E3C-4D2BE6020583}" type="datetimeFigureOut">
               <a:rPr lang="en-US" dirty="0"/>
-              <a:t>5/4/2019</a:t>
+              <a:t>5/15/2019</a:t>
             </a:fld>
             <a:endParaRPr lang="en-US" dirty="0"/>
           </a:p>
@@ -1244,7 +1244,7 @@
             <a:fld id="{87DE6118-2437-4B30-8E3C-4D2BE6020583}" type="datetimeFigureOut">
               <a:rPr lang="en-US" dirty="0"/>
               <a:pPr/>
-              <a:t>5/4/2019</a:t>
+              <a:t>5/15/2019</a:t>
             </a:fld>
             <a:endParaRPr lang="en-US" dirty="0"/>
           </a:p>
@@ -1634,7 +1634,7 @@
           <a:p>
             <a:fld id="{87DE6118-2437-4B30-8E3C-4D2BE6020583}" type="datetimeFigureOut">
               <a:rPr lang="en-US" dirty="0"/>
-              <a:t>5/4/2019</a:t>
+              <a:t>5/15/2019</a:t>
             </a:fld>
             <a:endParaRPr lang="en-US" dirty="0"/>
           </a:p>
@@ -2106,7 +2106,7 @@
           <a:p>
             <a:fld id="{87DE6118-2437-4B30-8E3C-4D2BE6020583}" type="datetimeFigureOut">
               <a:rPr lang="en-US" dirty="0"/>
-              <a:t>5/4/2019</a:t>
+              <a:t>5/15/2019</a:t>
             </a:fld>
             <a:endParaRPr lang="en-US" dirty="0"/>
           </a:p>
@@ -2219,7 +2219,7 @@
           <a:p>
             <a:fld id="{87DE6118-2437-4B30-8E3C-4D2BE6020583}" type="datetimeFigureOut">
               <a:rPr lang="en-US" dirty="0"/>
-              <a:t>5/4/2019</a:t>
+              <a:t>5/15/2019</a:t>
             </a:fld>
             <a:endParaRPr lang="en-US" dirty="0"/>
           </a:p>
@@ -2309,7 +2309,7 @@
           <a:p>
             <a:fld id="{87DE6118-2437-4B30-8E3C-4D2BE6020583}" type="datetimeFigureOut">
               <a:rPr lang="en-US" dirty="0"/>
-              <a:t>5/4/2019</a:t>
+              <a:t>5/15/2019</a:t>
             </a:fld>
             <a:endParaRPr lang="en-US" dirty="0"/>
           </a:p>
@@ -2651,7 +2651,7 @@
             <a:fld id="{87DE6118-2437-4B30-8E3C-4D2BE6020583}" type="datetimeFigureOut">
               <a:rPr lang="en-US" dirty="0"/>
               <a:pPr/>
-              <a:t>5/4/2019</a:t>
+              <a:t>5/15/2019</a:t>
             </a:fld>
             <a:endParaRPr lang="en-US" dirty="0"/>
           </a:p>
@@ -3036,7 +3036,7 @@
             <a:fld id="{87DE6118-2437-4B30-8E3C-4D2BE6020583}" type="datetimeFigureOut">
               <a:rPr lang="en-US" dirty="0"/>
               <a:pPr/>
-              <a:t>5/4/2019</a:t>
+              <a:t>5/15/2019</a:t>
             </a:fld>
             <a:endParaRPr lang="en-US" dirty="0"/>
           </a:p>
@@ -3311,7 +3311,7 @@
             <a:fld id="{87DE6118-2437-4B30-8E3C-4D2BE6020583}" type="datetimeFigureOut">
               <a:rPr lang="en-US" dirty="0"/>
               <a:pPr/>
-              <a:t>5/4/2019</a:t>
+              <a:t>5/15/2019</a:t>
             </a:fld>
             <a:endParaRPr lang="en-US" dirty="0"/>
           </a:p>
@@ -4210,7 +4210,7 @@
           <a:graphicData uri="http://schemas.openxmlformats.org/presentationml/2006/ole">
             <mc:AlternateContent xmlns:mc="http://schemas.openxmlformats.org/markup-compatibility/2006">
               <mc:Choice xmlns:v="urn:schemas-microsoft-com:vml" Requires="v">
-                <p:oleObj spid="_x0000_s4403" name="Acrobat Document" r:id="rId3" imgW="3886200" imgH="5029200" progId="AcroExch.Document.11">
+                <p:oleObj spid="_x0000_s4405" name="Acrobat Document" r:id="rId3" imgW="3886200" imgH="5029200" progId="AcroExch.Document.11">
                   <p:embed/>
                 </p:oleObj>
               </mc:Choice>
@@ -4488,6 +4488,21 @@
             <a:r>
               <a:rPr lang="tr-TR" sz="1600" dirty="0"/>
               <a:t> </a:t>
+            </a:r>
+          </a:p>
+          <a:p>
+            <a:pPr marL="0" lvl="0" indent="0">
+              <a:buNone/>
+            </a:pPr>
+            <a:r>
+              <a:rPr lang="tr-TR" sz="1600" dirty="0"/>
+              <a:t>[9} </a:t>
+            </a:r>
+            <a:r>
+              <a:rPr lang="en-US" sz="1600">
+                <a:hlinkClick r:id="rId13"/>
+              </a:rPr>
+              <a:t>https://github.com/gozuacik/cmp5151</a:t>
             </a:r>
             <a:endParaRPr lang="en-US" sz="1600" dirty="0"/>
           </a:p>

--- a/sunum_necip_gozuacik_okan_buyuktepe_v1.pptx
+++ b/sunum_necip_gozuacik_okan_buyuktepe_v1.pptx
@@ -305,7 +305,7 @@
             <a:fld id="{87DE6118-2437-4B30-8E3C-4D2BE6020583}" type="datetimeFigureOut">
               <a:rPr lang="en-US" dirty="0"/>
               <a:pPr/>
-              <a:t>5/15/2019</a:t>
+              <a:t>5/16/2019</a:t>
             </a:fld>
             <a:endParaRPr lang="en-US" dirty="0"/>
           </a:p>
@@ -631,7 +631,7 @@
           <a:p>
             <a:fld id="{87DE6118-2437-4B30-8E3C-4D2BE6020583}" type="datetimeFigureOut">
               <a:rPr lang="en-US" dirty="0"/>
-              <a:t>5/15/2019</a:t>
+              <a:t>5/16/2019</a:t>
             </a:fld>
             <a:endParaRPr lang="en-US" dirty="0"/>
           </a:p>
@@ -806,7 +806,7 @@
           <a:p>
             <a:fld id="{87DE6118-2437-4B30-8E3C-4D2BE6020583}" type="datetimeFigureOut">
               <a:rPr lang="en-US" dirty="0"/>
-              <a:t>5/15/2019</a:t>
+              <a:t>5/16/2019</a:t>
             </a:fld>
             <a:endParaRPr lang="en-US" dirty="0"/>
           </a:p>
@@ -971,7 +971,7 @@
           <a:p>
             <a:fld id="{87DE6118-2437-4B30-8E3C-4D2BE6020583}" type="datetimeFigureOut">
               <a:rPr lang="en-US" dirty="0"/>
-              <a:t>5/15/2019</a:t>
+              <a:t>5/16/2019</a:t>
             </a:fld>
             <a:endParaRPr lang="en-US" dirty="0"/>
           </a:p>
@@ -1244,7 +1244,7 @@
             <a:fld id="{87DE6118-2437-4B30-8E3C-4D2BE6020583}" type="datetimeFigureOut">
               <a:rPr lang="en-US" dirty="0"/>
               <a:pPr/>
-              <a:t>5/15/2019</a:t>
+              <a:t>5/16/2019</a:t>
             </a:fld>
             <a:endParaRPr lang="en-US" dirty="0"/>
           </a:p>
@@ -1634,7 +1634,7 @@
           <a:p>
             <a:fld id="{87DE6118-2437-4B30-8E3C-4D2BE6020583}" type="datetimeFigureOut">
               <a:rPr lang="en-US" dirty="0"/>
-              <a:t>5/15/2019</a:t>
+              <a:t>5/16/2019</a:t>
             </a:fld>
             <a:endParaRPr lang="en-US" dirty="0"/>
           </a:p>
@@ -2106,7 +2106,7 @@
           <a:p>
             <a:fld id="{87DE6118-2437-4B30-8E3C-4D2BE6020583}" type="datetimeFigureOut">
               <a:rPr lang="en-US" dirty="0"/>
-              <a:t>5/15/2019</a:t>
+              <a:t>5/16/2019</a:t>
             </a:fld>
             <a:endParaRPr lang="en-US" dirty="0"/>
           </a:p>
@@ -2219,7 +2219,7 @@
           <a:p>
             <a:fld id="{87DE6118-2437-4B30-8E3C-4D2BE6020583}" type="datetimeFigureOut">
               <a:rPr lang="en-US" dirty="0"/>
-              <a:t>5/15/2019</a:t>
+              <a:t>5/16/2019</a:t>
             </a:fld>
             <a:endParaRPr lang="en-US" dirty="0"/>
           </a:p>
@@ -2309,7 +2309,7 @@
           <a:p>
             <a:fld id="{87DE6118-2437-4B30-8E3C-4D2BE6020583}" type="datetimeFigureOut">
               <a:rPr lang="en-US" dirty="0"/>
-              <a:t>5/15/2019</a:t>
+              <a:t>5/16/2019</a:t>
             </a:fld>
             <a:endParaRPr lang="en-US" dirty="0"/>
           </a:p>
@@ -2651,7 +2651,7 @@
             <a:fld id="{87DE6118-2437-4B30-8E3C-4D2BE6020583}" type="datetimeFigureOut">
               <a:rPr lang="en-US" dirty="0"/>
               <a:pPr/>
-              <a:t>5/15/2019</a:t>
+              <a:t>5/16/2019</a:t>
             </a:fld>
             <a:endParaRPr lang="en-US" dirty="0"/>
           </a:p>
@@ -3036,7 +3036,7 @@
             <a:fld id="{87DE6118-2437-4B30-8E3C-4D2BE6020583}" type="datetimeFigureOut">
               <a:rPr lang="en-US" dirty="0"/>
               <a:pPr/>
-              <a:t>5/15/2019</a:t>
+              <a:t>5/16/2019</a:t>
             </a:fld>
             <a:endParaRPr lang="en-US" dirty="0"/>
           </a:p>
@@ -3311,7 +3311,7 @@
             <a:fld id="{87DE6118-2437-4B30-8E3C-4D2BE6020583}" type="datetimeFigureOut">
               <a:rPr lang="en-US" dirty="0"/>
               <a:pPr/>
-              <a:t>5/15/2019</a:t>
+              <a:t>5/16/2019</a:t>
             </a:fld>
             <a:endParaRPr lang="en-US" dirty="0"/>
           </a:p>
@@ -3935,11 +3935,11 @@
           <a:p>
             <a:r>
               <a:rPr lang="en-US" dirty="0"/>
-              <a:t>Lecturer: </a:t>
-            </a:r>
-            <a:r>
-              <a:rPr lang="en-US" dirty="0" err="1"/>
-              <a:t>Phd</a:t>
+              <a:t>Lecturer: Ph</a:t>
+            </a:r>
+            <a:r>
+              <a:rPr lang="tr-TR" dirty="0"/>
+              <a:t>.D</a:t>
             </a:r>
             <a:r>
               <a:rPr lang="en-US" dirty="0"/>
@@ -4008,10 +4008,10 @@
       </p:sp>
       <p:pic>
         <p:nvPicPr>
-          <p:cNvPr id="11" name="Resim 10">
+          <p:cNvPr id="4" name="Resim 3">
             <a:extLst>
               <a:ext uri="{FF2B5EF4-FFF2-40B4-BE49-F238E27FC236}">
-                <a16:creationId xmlns:a16="http://schemas.microsoft.com/office/drawing/2014/main" id="{B9F9068C-8A54-4BA6-9351-AB78D4387946}"/>
+                <a16:creationId xmlns:a16="http://schemas.microsoft.com/office/drawing/2014/main" id="{8D01B573-7C96-46A1-8FE1-7768C2848041}"/>
               </a:ext>
             </a:extLst>
           </p:cNvPr>
@@ -4028,8 +4028,8 @@
         </p:blipFill>
         <p:spPr>
           <a:xfrm>
-            <a:off x="1371600" y="1333914"/>
-            <a:ext cx="10648205" cy="5274189"/>
+            <a:off x="1122360" y="1299541"/>
+            <a:ext cx="10771466" cy="5335242"/>
           </a:xfrm>
           <a:prstGeom prst="rect">
             <a:avLst/>
@@ -4210,7 +4210,7 @@
           <a:graphicData uri="http://schemas.openxmlformats.org/presentationml/2006/ole">
             <mc:AlternateContent xmlns:mc="http://schemas.openxmlformats.org/markup-compatibility/2006">
               <mc:Choice xmlns:v="urn:schemas-microsoft-com:vml" Requires="v">
-                <p:oleObj spid="_x0000_s4405" name="Acrobat Document" r:id="rId3" imgW="3886200" imgH="5029200" progId="AcroExch.Document.11">
+                <p:oleObj spid="_x0000_s4409" name="Acrobat Document" r:id="rId3" imgW="3886200" imgH="5029200" progId="AcroExch.Document.11">
                   <p:embed/>
                 </p:oleObj>
               </mc:Choice>
@@ -13646,6 +13646,20 @@
           <a:prstGeom prst="rect">
             <a:avLst/>
           </a:prstGeom>
+          <a:ln w="38100" cap="sq">
+            <a:solidFill>
+              <a:srgbClr val="000000"/>
+            </a:solidFill>
+            <a:prstDash val="solid"/>
+            <a:miter lim="800000"/>
+          </a:ln>
+          <a:effectLst>
+            <a:outerShdw blurRad="50800" dist="38100" dir="2700000" algn="tl" rotWithShape="0">
+              <a:srgbClr val="000000">
+                <a:alpha val="43000"/>
+              </a:srgbClr>
+            </a:outerShdw>
+          </a:effectLst>
         </p:spPr>
       </p:pic>
     </p:spTree>
